--- a/Seccion 2 Variable aleatoria multivariante/Diapositivas/2.6 Transformaciones multivariantes.pptx
+++ b/Seccion 2 Variable aleatoria multivariante/Diapositivas/2.6 Transformaciones multivariantes.pptx
@@ -865,7 +865,7 @@
             <a:fld id="{B61BEF0D-F0BB-DE4B-95CE-6DB70DBA9567}" type="datetimeFigureOut">
               <a:rPr lang="en-US" smtClean="0"/>
               <a:pPr/>
-              <a:t>12/12/2019</a:t>
+              <a:t>12/20/2019</a:t>
             </a:fld>
             <a:endParaRPr lang="en-US" dirty="0"/>
           </a:p>
@@ -1118,7 +1118,7 @@
             <a:fld id="{B61BEF0D-F0BB-DE4B-95CE-6DB70DBA9567}" type="datetimeFigureOut">
               <a:rPr lang="en-US" smtClean="0"/>
               <a:pPr/>
-              <a:t>12/12/2019</a:t>
+              <a:t>12/20/2019</a:t>
             </a:fld>
             <a:endParaRPr lang="en-US" dirty="0"/>
           </a:p>
@@ -1434,7 +1434,7 @@
             <a:fld id="{B61BEF0D-F0BB-DE4B-95CE-6DB70DBA9567}" type="datetimeFigureOut">
               <a:rPr lang="en-US" smtClean="0"/>
               <a:pPr/>
-              <a:t>12/12/2019</a:t>
+              <a:t>12/20/2019</a:t>
             </a:fld>
             <a:endParaRPr lang="en-US" dirty="0"/>
           </a:p>
@@ -1769,7 +1769,7 @@
             <a:fld id="{B61BEF0D-F0BB-DE4B-95CE-6DB70DBA9567}" type="datetimeFigureOut">
               <a:rPr lang="en-US" smtClean="0"/>
               <a:pPr/>
-              <a:t>12/12/2019</a:t>
+              <a:t>12/20/2019</a:t>
             </a:fld>
             <a:endParaRPr lang="en-US" dirty="0"/>
           </a:p>
@@ -2085,7 +2085,7 @@
             <a:fld id="{B61BEF0D-F0BB-DE4B-95CE-6DB70DBA9567}" type="datetimeFigureOut">
               <a:rPr lang="en-US" smtClean="0"/>
               <a:pPr/>
-              <a:t>12/12/2019</a:t>
+              <a:t>12/20/2019</a:t>
             </a:fld>
             <a:endParaRPr lang="en-US" dirty="0"/>
           </a:p>
@@ -2480,7 +2480,7 @@
             <a:fld id="{B61BEF0D-F0BB-DE4B-95CE-6DB70DBA9567}" type="datetimeFigureOut">
               <a:rPr lang="en-US" smtClean="0"/>
               <a:pPr/>
-              <a:t>12/12/2019</a:t>
+              <a:t>12/20/2019</a:t>
             </a:fld>
             <a:endParaRPr lang="en-US" dirty="0"/>
           </a:p>
@@ -2651,7 +2651,7 @@
           <a:p>
             <a:fld id="{55C6B4A9-1611-4792-9094-5F34BCA07E0B}" type="datetimeFigureOut">
               <a:rPr lang="en-US" smtClean="0"/>
-              <a:t>12/12/2019</a:t>
+              <a:t>12/20/2019</a:t>
             </a:fld>
             <a:endParaRPr lang="en-US" dirty="0"/>
           </a:p>
@@ -2832,7 +2832,7 @@
             <a:fld id="{B61BEF0D-F0BB-DE4B-95CE-6DB70DBA9567}" type="datetimeFigureOut">
               <a:rPr lang="en-US" smtClean="0"/>
               <a:pPr/>
-              <a:t>12/12/2019</a:t>
+              <a:t>12/20/2019</a:t>
             </a:fld>
             <a:endParaRPr lang="en-US" dirty="0"/>
           </a:p>
@@ -3042,7 +3042,7 @@
             <a:fld id="{B61BEF0D-F0BB-DE4B-95CE-6DB70DBA9567}" type="datetimeFigureOut">
               <a:rPr lang="en-US" smtClean="0"/>
               <a:pPr/>
-              <a:t>12/12/2019</a:t>
+              <a:t>12/20/2019</a:t>
             </a:fld>
             <a:endParaRPr lang="en-US" dirty="0"/>
           </a:p>
@@ -3242,7 +3242,7 @@
             <a:fld id="{B61BEF0D-F0BB-DE4B-95CE-6DB70DBA9567}" type="datetimeFigureOut">
               <a:rPr lang="en-US" smtClean="0"/>
               <a:pPr/>
-              <a:t>12/12/2019</a:t>
+              <a:t>12/20/2019</a:t>
             </a:fld>
             <a:endParaRPr lang="en-US" dirty="0"/>
           </a:p>
@@ -3519,7 +3519,7 @@
             <a:fld id="{B61BEF0D-F0BB-DE4B-95CE-6DB70DBA9567}" type="datetimeFigureOut">
               <a:rPr lang="en-US" smtClean="0"/>
               <a:pPr/>
-              <a:t>12/12/2019</a:t>
+              <a:t>12/20/2019</a:t>
             </a:fld>
             <a:endParaRPr lang="en-US" dirty="0"/>
           </a:p>
@@ -3703,7 +3703,7 @@
             <a:fld id="{B61BEF0D-F0BB-DE4B-95CE-6DB70DBA9567}" type="datetimeFigureOut">
               <a:rPr lang="en-US" smtClean="0"/>
               <a:pPr/>
-              <a:t>12/12/2019</a:t>
+              <a:t>12/20/2019</a:t>
             </a:fld>
             <a:endParaRPr lang="en-US" dirty="0"/>
           </a:p>
@@ -3957,7 +3957,7 @@
           <a:p>
             <a:fld id="{EB712588-04B1-427B-82EE-E8DB90309F08}" type="datetimeFigureOut">
               <a:rPr lang="en-US" smtClean="0"/>
-              <a:t>12/12/2019</a:t>
+              <a:t>12/20/2019</a:t>
             </a:fld>
             <a:endParaRPr lang="en-US" dirty="0"/>
           </a:p>
@@ -4370,7 +4370,7 @@
             <a:fld id="{B61BEF0D-F0BB-DE4B-95CE-6DB70DBA9567}" type="datetimeFigureOut">
               <a:rPr lang="en-US" smtClean="0"/>
               <a:pPr/>
-              <a:t>12/12/2019</a:t>
+              <a:t>12/20/2019</a:t>
             </a:fld>
             <a:endParaRPr lang="en-US" dirty="0"/>
           </a:p>
@@ -4513,7 +4513,7 @@
             <a:fld id="{B61BEF0D-F0BB-DE4B-95CE-6DB70DBA9567}" type="datetimeFigureOut">
               <a:rPr lang="en-US" smtClean="0"/>
               <a:pPr/>
-              <a:t>12/12/2019</a:t>
+              <a:t>12/20/2019</a:t>
             </a:fld>
             <a:endParaRPr lang="en-US" dirty="0"/>
           </a:p>
@@ -4628,7 +4628,7 @@
             <a:fld id="{B61BEF0D-F0BB-DE4B-95CE-6DB70DBA9567}" type="datetimeFigureOut">
               <a:rPr lang="en-US" smtClean="0"/>
               <a:pPr/>
-              <a:t>12/12/2019</a:t>
+              <a:t>12/20/2019</a:t>
             </a:fld>
             <a:endParaRPr lang="en-US" dirty="0"/>
           </a:p>
@@ -4940,7 +4940,7 @@
           <a:p>
             <a:fld id="{42A54C80-263E-416B-A8E0-580EDEADCBDC}" type="datetimeFigureOut">
               <a:rPr lang="en-US" smtClean="0"/>
-              <a:t>12/12/2019</a:t>
+              <a:t>12/20/2019</a:t>
             </a:fld>
             <a:endParaRPr lang="en-US" dirty="0"/>
           </a:p>
@@ -5229,7 +5229,7 @@
             <a:fld id="{B61BEF0D-F0BB-DE4B-95CE-6DB70DBA9567}" type="datetimeFigureOut">
               <a:rPr lang="en-US" smtClean="0"/>
               <a:pPr/>
-              <a:t>12/12/2019</a:t>
+              <a:t>12/20/2019</a:t>
             </a:fld>
             <a:endParaRPr lang="en-US" dirty="0"/>
           </a:p>
@@ -5428,7 +5428,7 @@
           <a:p>
             <a:fld id="{55C6B4A9-1611-4792-9094-5F34BCA07E0B}" type="datetimeFigureOut">
               <a:rPr lang="en-US" smtClean="0"/>
-              <a:t>12/12/2019</a:t>
+              <a:t>12/20/2019</a:t>
             </a:fld>
             <a:endParaRPr lang="en-US" dirty="0"/>
           </a:p>
@@ -5637,7 +5637,7 @@
             <a:fld id="{B61BEF0D-F0BB-DE4B-95CE-6DB70DBA9567}" type="datetimeFigureOut">
               <a:rPr lang="en-US" smtClean="0"/>
               <a:pPr/>
-              <a:t>12/12/2019</a:t>
+              <a:t>12/20/2019</a:t>
             </a:fld>
             <a:endParaRPr lang="en-US" dirty="0"/>
           </a:p>
@@ -5898,7 +5898,7 @@
             <a:fld id="{B61BEF0D-F0BB-DE4B-95CE-6DB70DBA9567}" type="datetimeFigureOut">
               <a:rPr lang="en-US" smtClean="0"/>
               <a:pPr/>
-              <a:t>12/12/2019</a:t>
+              <a:t>12/20/2019</a:t>
             </a:fld>
             <a:endParaRPr lang="en-US" dirty="0"/>
           </a:p>
@@ -6131,7 +6131,7 @@
           <a:p>
             <a:fld id="{EB712588-04B1-427B-82EE-E8DB90309F08}" type="datetimeFigureOut">
               <a:rPr lang="en-US" smtClean="0"/>
-              <a:t>12/12/2019</a:t>
+              <a:t>12/20/2019</a:t>
             </a:fld>
             <a:endParaRPr lang="en-US" dirty="0"/>
           </a:p>
@@ -6506,7 +6506,7 @@
             <a:fld id="{B61BEF0D-F0BB-DE4B-95CE-6DB70DBA9567}" type="datetimeFigureOut">
               <a:rPr lang="en-US" smtClean="0"/>
               <a:pPr/>
-              <a:t>12/12/2019</a:t>
+              <a:t>12/20/2019</a:t>
             </a:fld>
             <a:endParaRPr lang="en-US" dirty="0"/>
           </a:p>
@@ -6631,7 +6631,7 @@
             <a:fld id="{B61BEF0D-F0BB-DE4B-95CE-6DB70DBA9567}" type="datetimeFigureOut">
               <a:rPr lang="en-US" smtClean="0"/>
               <a:pPr/>
-              <a:t>12/12/2019</a:t>
+              <a:t>12/20/2019</a:t>
             </a:fld>
             <a:endParaRPr lang="en-US" dirty="0"/>
           </a:p>
@@ -6728,7 +6728,7 @@
             <a:fld id="{B61BEF0D-F0BB-DE4B-95CE-6DB70DBA9567}" type="datetimeFigureOut">
               <a:rPr lang="en-US" smtClean="0"/>
               <a:pPr/>
-              <a:t>12/12/2019</a:t>
+              <a:t>12/20/2019</a:t>
             </a:fld>
             <a:endParaRPr lang="en-US" dirty="0"/>
           </a:p>
@@ -6984,7 +6984,7 @@
           <a:p>
             <a:fld id="{42A54C80-263E-416B-A8E0-580EDEADCBDC}" type="datetimeFigureOut">
               <a:rPr lang="en-US" smtClean="0"/>
-              <a:t>12/12/2019</a:t>
+              <a:t>12/20/2019</a:t>
             </a:fld>
             <a:endParaRPr lang="en-US" dirty="0"/>
           </a:p>
@@ -7291,7 +7291,7 @@
             <a:fld id="{B61BEF0D-F0BB-DE4B-95CE-6DB70DBA9567}" type="datetimeFigureOut">
               <a:rPr lang="en-US" smtClean="0"/>
               <a:pPr/>
-              <a:t>12/12/2019</a:t>
+              <a:t>12/20/2019</a:t>
             </a:fld>
             <a:endParaRPr lang="en-US" dirty="0"/>
           </a:p>
@@ -7997,7 +7997,7 @@
             <a:fld id="{B61BEF0D-F0BB-DE4B-95CE-6DB70DBA9567}" type="datetimeFigureOut">
               <a:rPr lang="en-US" smtClean="0"/>
               <a:pPr/>
-              <a:t>12/12/2019</a:t>
+              <a:t>12/20/2019</a:t>
             </a:fld>
             <a:endParaRPr lang="en-US" dirty="0"/>
           </a:p>
@@ -8674,7 +8674,7 @@
             <a:fld id="{B61BEF0D-F0BB-DE4B-95CE-6DB70DBA9567}" type="datetimeFigureOut">
               <a:rPr lang="en-US" smtClean="0"/>
               <a:pPr/>
-              <a:t>12/12/2019</a:t>
+              <a:t>12/20/2019</a:t>
             </a:fld>
             <a:endParaRPr lang="en-US" dirty="0"/>
           </a:p>
@@ -9415,8 +9415,8 @@
           <a:chExt cx="0" cy="0"/>
         </a:xfrm>
       </p:grpSpPr>
-      <mc:AlternateContent xmlns:mc="http://schemas.openxmlformats.org/markup-compatibility/2006" xmlns:a14="http://schemas.microsoft.com/office/drawing/2010/main">
-        <mc:Choice Requires="a14">
+      <mc:AlternateContent xmlns:mc="http://schemas.openxmlformats.org/markup-compatibility/2006">
+        <mc:Choice xmlns:a14="http://schemas.microsoft.com/office/drawing/2010/main" Requires="a14">
           <p:sp>
             <p:nvSpPr>
               <p:cNvPr id="5" name="Marcador de contenido 2"/>
@@ -9755,7 +9755,25 @@
                             </a:solidFill>
                             <a:latin typeface="Cambria Math" panose="02040503050406030204" pitchFamily="18" charset="0"/>
                           </a:rPr>
+                          <m:t>,</m:t>
+                        </m:r>
+                        <m:r>
+                          <a:rPr lang="es-ES" b="0" i="1" smtClean="0">
+                            <a:solidFill>
+                              <a:schemeClr val="bg1"/>
+                            </a:solidFill>
+                            <a:latin typeface="Cambria Math" panose="02040503050406030204" pitchFamily="18" charset="0"/>
+                          </a:rPr>
                           <m:t>…</m:t>
+                        </m:r>
+                        <m:r>
+                          <a:rPr lang="es-ES" b="0" i="1" smtClean="0">
+                            <a:solidFill>
+                              <a:schemeClr val="bg1"/>
+                            </a:solidFill>
+                            <a:latin typeface="Cambria Math" panose="02040503050406030204" pitchFamily="18" charset="0"/>
+                          </a:rPr>
+                          <m:t>,</m:t>
                         </m:r>
                         <m:sSub>
                           <m:sSubPr>
@@ -9927,6 +9945,15 @@
                           </m:sub>
                         </m:sSub>
                         <m:r>
+                          <a:rPr lang="es-ES" b="0" i="1" smtClean="0">
+                            <a:solidFill>
+                              <a:schemeClr val="bg1"/>
+                            </a:solidFill>
+                            <a:latin typeface="Cambria Math" panose="02040503050406030204" pitchFamily="18" charset="0"/>
+                          </a:rPr>
+                          <m:t>,</m:t>
+                        </m:r>
+                        <m:r>
                           <a:rPr lang="es-ES" i="1">
                             <a:solidFill>
                               <a:schemeClr val="bg1"/>
@@ -9934,6 +9961,15 @@
                             <a:latin typeface="Cambria Math" panose="02040503050406030204" pitchFamily="18" charset="0"/>
                           </a:rPr>
                           <m:t>…</m:t>
+                        </m:r>
+                        <m:r>
+                          <a:rPr lang="es-ES" b="0" i="1" smtClean="0">
+                            <a:solidFill>
+                              <a:schemeClr val="bg1"/>
+                            </a:solidFill>
+                            <a:latin typeface="Cambria Math" panose="02040503050406030204" pitchFamily="18" charset="0"/>
+                          </a:rPr>
+                          <m:t>,</m:t>
                         </m:r>
                         <m:sSub>
                           <m:sSubPr>
@@ -10923,7 +10959,7 @@
             </p:txBody>
           </p:sp>
         </mc:Choice>
-        <mc:Fallback xmlns="">
+        <mc:Fallback>
           <p:sp>
             <p:nvSpPr>
               <p:cNvPr id="5" name="Marcador de contenido 2"/>
@@ -11160,8 +11196,8 @@
           </a:p>
         </p:txBody>
       </p:sp>
-      <mc:AlternateContent xmlns:mc="http://schemas.openxmlformats.org/markup-compatibility/2006">
-        <mc:Choice xmlns:a14="http://schemas.microsoft.com/office/drawing/2010/main" Requires="a14">
+      <mc:AlternateContent xmlns:mc="http://schemas.openxmlformats.org/markup-compatibility/2006" xmlns:a14="http://schemas.microsoft.com/office/drawing/2010/main">
+        <mc:Choice Requires="a14">
           <p:sp>
             <p:nvSpPr>
               <p:cNvPr id="3" name="Marcador de contenido 2">
@@ -11664,7 +11700,7 @@
                       <m:sSub>
                         <m:sSubPr>
                           <m:ctrlPr>
-                            <a:rPr lang="es-ES" b="1" smtClean="0">
+                            <a:rPr lang="es-ES" b="1" i="1" smtClean="0">
                               <a:solidFill>
                                 <a:schemeClr val="bg1"/>
                               </a:solidFill>
@@ -11707,7 +11743,7 @@
                       <m:sSub>
                         <m:sSubPr>
                           <m:ctrlPr>
-                            <a:rPr lang="es-ES" b="1" smtClean="0">
+                            <a:rPr lang="es-ES" b="1" i="1" smtClean="0">
                               <a:solidFill>
                                 <a:schemeClr val="bg1"/>
                               </a:solidFill>
@@ -11750,7 +11786,7 @@
                       <m:sSub>
                         <m:sSubPr>
                           <m:ctrlPr>
-                            <a:rPr lang="es-ES" b="1" smtClean="0">
+                            <a:rPr lang="es-ES" b="1" i="1" smtClean="0">
                               <a:solidFill>
                                 <a:schemeClr val="bg1"/>
                               </a:solidFill>
@@ -11803,7 +11839,7 @@
                       <m:sSub>
                         <m:sSubPr>
                           <m:ctrlPr>
-                            <a:rPr lang="es-ES" b="1">
+                            <a:rPr lang="es-ES" b="1" i="1">
                               <a:solidFill>
                                 <a:schemeClr val="bg1"/>
                               </a:solidFill>
@@ -11846,7 +11882,7 @@
                       <m:sSub>
                         <m:sSubPr>
                           <m:ctrlPr>
-                            <a:rPr lang="es-ES" b="1">
+                            <a:rPr lang="es-ES" b="1" i="1">
                               <a:solidFill>
                                 <a:schemeClr val="bg1"/>
                               </a:solidFill>
@@ -11889,7 +11925,7 @@
                       <m:sSub>
                         <m:sSubPr>
                           <m:ctrlPr>
-                            <a:rPr lang="es-ES" b="1">
+                            <a:rPr lang="es-ES" b="1" i="1">
                               <a:solidFill>
                                 <a:schemeClr val="bg1"/>
                               </a:solidFill>
@@ -11965,7 +12001,7 @@
                       <m:d>
                         <m:dPr>
                           <m:ctrlPr>
-                            <a:rPr lang="es-ES" b="1" smtClean="0">
+                            <a:rPr lang="es-ES" b="1" i="1" smtClean="0">
                               <a:solidFill>
                                 <a:schemeClr val="bg1"/>
                               </a:solidFill>
@@ -11985,7 +12021,7 @@
                                 </m:mc>
                               </m:mcs>
                               <m:ctrlPr>
-                                <a:rPr lang="es-ES" b="1" smtClean="0">
+                                <a:rPr lang="es-ES" b="1" i="1" smtClean="0">
                                   <a:solidFill>
                                     <a:schemeClr val="bg1"/>
                                   </a:solidFill>
@@ -11998,7 +12034,7 @@
                                 <m:sSub>
                                   <m:sSubPr>
                                     <m:ctrlPr>
-                                      <a:rPr lang="es-ES" b="1" smtClean="0">
+                                      <a:rPr lang="es-ES" b="1" i="1" smtClean="0">
                                         <a:solidFill>
                                           <a:schemeClr val="bg1"/>
                                         </a:solidFill>
@@ -12042,7 +12078,7 @@
                                 <m:sSub>
                                   <m:sSubPr>
                                     <m:ctrlPr>
-                                      <a:rPr lang="es-ES" b="1" smtClean="0">
+                                      <a:rPr lang="es-ES" b="1" i="1" smtClean="0">
                                         <a:solidFill>
                                           <a:schemeClr val="bg1"/>
                                         </a:solidFill>
@@ -12090,7 +12126,7 @@
                       <m:d>
                         <m:dPr>
                           <m:ctrlPr>
-                            <a:rPr lang="es-ES" b="1" smtClean="0">
+                            <a:rPr lang="es-ES" b="1" i="1" smtClean="0">
                               <a:solidFill>
                                 <a:schemeClr val="bg1"/>
                               </a:solidFill>
@@ -12110,7 +12146,7 @@
                                 </m:mc>
                               </m:mcs>
                               <m:ctrlPr>
-                                <a:rPr lang="es-ES" smtClean="0">
+                                <a:rPr lang="es-ES" i="1" smtClean="0">
                                   <a:solidFill>
                                     <a:schemeClr val="bg1"/>
                                   </a:solidFill>
@@ -12175,7 +12211,7 @@
                       <m:d>
                         <m:dPr>
                           <m:ctrlPr>
-                            <a:rPr lang="es-ES" b="1">
+                            <a:rPr lang="es-ES" b="1" i="1">
                               <a:solidFill>
                                 <a:schemeClr val="bg1"/>
                               </a:solidFill>
@@ -12195,7 +12231,7 @@
                                 </m:mc>
                               </m:mcs>
                               <m:ctrlPr>
-                                <a:rPr lang="es-ES" b="1">
+                                <a:rPr lang="es-ES" b="1" i="1">
                                   <a:solidFill>
                                     <a:schemeClr val="bg1"/>
                                   </a:solidFill>
@@ -12208,7 +12244,7 @@
                                 <m:sSub>
                                   <m:sSubPr>
                                     <m:ctrlPr>
-                                      <a:rPr lang="es-ES" b="1" smtClean="0">
+                                      <a:rPr lang="es-ES" b="1" i="1" smtClean="0">
                                         <a:solidFill>
                                           <a:schemeClr val="bg1"/>
                                         </a:solidFill>
@@ -12246,7 +12282,7 @@
                                 <m:sSub>
                                   <m:sSubPr>
                                     <m:ctrlPr>
-                                      <a:rPr lang="es-ES" b="1">
+                                      <a:rPr lang="es-ES" b="1" i="1">
                                         <a:solidFill>
                                           <a:schemeClr val="bg1"/>
                                         </a:solidFill>
@@ -12303,7 +12339,7 @@
                       <m:d>
                         <m:dPr>
                           <m:ctrlPr>
-                            <a:rPr lang="es-ES" b="1">
+                            <a:rPr lang="es-ES" b="1" i="1">
                               <a:solidFill>
                                 <a:schemeClr val="bg1"/>
                               </a:solidFill>
@@ -12323,7 +12359,7 @@
                                 </m:mc>
                               </m:mcs>
                               <m:ctrlPr>
-                                <a:rPr lang="es-ES" b="1">
+                                <a:rPr lang="es-ES" b="1" i="1">
                                   <a:solidFill>
                                     <a:schemeClr val="bg1"/>
                                   </a:solidFill>
@@ -12336,7 +12372,7 @@
                                 <m:sSub>
                                   <m:sSubPr>
                                     <m:ctrlPr>
-                                      <a:rPr lang="es-ES" b="1">
+                                      <a:rPr lang="es-ES" b="1" i="1">
                                         <a:solidFill>
                                           <a:schemeClr val="bg1"/>
                                         </a:solidFill>
@@ -12377,7 +12413,7 @@
                                 <m:sSub>
                                   <m:sSubPr>
                                     <m:ctrlPr>
-                                      <a:rPr lang="es-ES" b="1">
+                                      <a:rPr lang="es-ES" b="1" i="1">
                                         <a:solidFill>
                                           <a:schemeClr val="bg1"/>
                                         </a:solidFill>
@@ -12520,7 +12556,7 @@
                         <m:sSub>
                           <m:sSubPr>
                             <m:ctrlPr>
-                              <a:rPr lang="es-ES" b="1">
+                              <a:rPr lang="es-ES" b="1" i="1">
                                 <a:solidFill>
                                   <a:schemeClr val="bg1"/>
                                 </a:solidFill>
@@ -12563,7 +12599,7 @@
                         <m:sSub>
                           <m:sSubPr>
                             <m:ctrlPr>
-                              <a:rPr lang="es-ES" b="1">
+                              <a:rPr lang="es-ES" b="1" i="1">
                                 <a:solidFill>
                                   <a:schemeClr val="bg1"/>
                                 </a:solidFill>
@@ -12665,7 +12701,7 @@
                     <m:f>
                       <m:fPr>
                         <m:ctrlPr>
-                          <a:rPr lang="es-ES" b="0" i="0" smtClean="0">
+                          <a:rPr lang="es-ES" b="0" i="1" smtClean="0">
                             <a:solidFill>
                               <a:schemeClr val="bg1"/>
                             </a:solidFill>
@@ -12677,7 +12713,7 @@
                         <m:sSub>
                           <m:sSubPr>
                             <m:ctrlPr>
-                              <a:rPr lang="es-ES" b="1">
+                              <a:rPr lang="es-ES" b="1" i="1">
                                 <a:solidFill>
                                   <a:schemeClr val="bg1"/>
                                 </a:solidFill>
@@ -12720,7 +12756,7 @@
                         <m:sSub>
                           <m:sSubPr>
                             <m:ctrlPr>
-                              <a:rPr lang="es-ES" b="1" smtClean="0">
+                              <a:rPr lang="es-ES" b="1" i="1" smtClean="0">
                                 <a:solidFill>
                                   <a:schemeClr val="bg1"/>
                                 </a:solidFill>
@@ -12775,7 +12811,7 @@
             </p:txBody>
           </p:sp>
         </mc:Choice>
-        <mc:Fallback>
+        <mc:Fallback xmlns="">
           <p:sp>
             <p:nvSpPr>
               <p:cNvPr id="3" name="Marcador de contenido 2">
@@ -12873,8 +12909,8 @@
           </a:p>
         </p:txBody>
       </p:sp>
-      <mc:AlternateContent xmlns:mc="http://schemas.openxmlformats.org/markup-compatibility/2006">
-        <mc:Choice xmlns:a14="http://schemas.microsoft.com/office/drawing/2010/main" Requires="a14">
+      <mc:AlternateContent xmlns:mc="http://schemas.openxmlformats.org/markup-compatibility/2006" xmlns:a14="http://schemas.microsoft.com/office/drawing/2010/main">
+        <mc:Choice Requires="a14">
           <p:sp>
             <p:nvSpPr>
               <p:cNvPr id="3" name="Marcador de contenido 2">
@@ -13000,7 +13036,7 @@
                         <m:sSub>
                           <m:sSubPr>
                             <m:ctrlPr>
-                              <a:rPr lang="es-ES" b="1">
+                              <a:rPr lang="es-ES" b="1" i="1">
                                 <a:solidFill>
                                   <a:schemeClr val="bg1"/>
                                 </a:solidFill>
@@ -13043,7 +13079,7 @@
                         <m:sSub>
                           <m:sSubPr>
                             <m:ctrlPr>
-                              <a:rPr lang="es-ES" b="1">
+                              <a:rPr lang="es-ES" b="1" i="1">
                                 <a:solidFill>
                                   <a:schemeClr val="bg1"/>
                                 </a:solidFill>
@@ -13145,7 +13181,7 @@
                     <m:f>
                       <m:fPr>
                         <m:ctrlPr>
-                          <a:rPr lang="es-ES" b="0" i="0" smtClean="0">
+                          <a:rPr lang="es-ES" b="0" i="1" smtClean="0">
                             <a:solidFill>
                               <a:schemeClr val="bg1"/>
                             </a:solidFill>
@@ -13157,7 +13193,7 @@
                         <m:sSub>
                           <m:sSubPr>
                             <m:ctrlPr>
-                              <a:rPr lang="es-ES" b="1">
+                              <a:rPr lang="es-ES" b="1" i="1">
                                 <a:solidFill>
                                   <a:schemeClr val="bg1"/>
                                 </a:solidFill>
@@ -13200,7 +13236,7 @@
                         <m:sSub>
                           <m:sSubPr>
                             <m:ctrlPr>
-                              <a:rPr lang="es-ES" b="1" smtClean="0">
+                              <a:rPr lang="es-ES" b="1" i="1" smtClean="0">
                                 <a:solidFill>
                                   <a:schemeClr val="bg1"/>
                                 </a:solidFill>
@@ -13464,7 +13500,16 @@
                                     </a:solidFill>
                                     <a:latin typeface="Cambria Math" panose="02040503050406030204" pitchFamily="18" charset="0"/>
                                   </a:rPr>
-                                  <m:t>/2</m:t>
+                                  <m:t>/</m:t>
+                                </m:r>
+                                <m:r>
+                                  <a:rPr lang="es-ES" b="0" i="1" smtClean="0">
+                                    <a:solidFill>
+                                      <a:schemeClr val="bg1"/>
+                                    </a:solidFill>
+                                    <a:latin typeface="Cambria Math" panose="02040503050406030204" pitchFamily="18" charset="0"/>
+                                  </a:rPr>
+                                  <m:t>2</m:t>
                                 </m:r>
                               </m:e>
                               <m:e>
@@ -14340,16 +14385,7 @@
                                     </a:solidFill>
                                     <a:latin typeface="Cambria Math" panose="02040503050406030204" pitchFamily="18" charset="0"/>
                                   </a:rPr>
-                                  <m:t>−1</m:t>
-                                </m:r>
-                                <m:r>
-                                  <a:rPr lang="es-ES">
-                                    <a:solidFill>
-                                      <a:schemeClr val="bg1"/>
-                                    </a:solidFill>
-                                    <a:latin typeface="Cambria Math" panose="02040503050406030204" pitchFamily="18" charset="0"/>
-                                  </a:rPr>
-                                  <m:t>/2</m:t>
+                                  <m:t>−1/2</m:t>
                                 </m:r>
                               </m:e>
                             </m:mr>
@@ -14622,7 +14658,7 @@
             </p:txBody>
           </p:sp>
         </mc:Choice>
-        <mc:Fallback>
+        <mc:Fallback xmlns="">
           <p:sp>
             <p:nvSpPr>
               <p:cNvPr id="3" name="Marcador de contenido 2">
@@ -14724,8 +14760,8 @@
           </a:p>
         </p:txBody>
       </p:sp>
-      <mc:AlternateContent xmlns:mc="http://schemas.openxmlformats.org/markup-compatibility/2006">
-        <mc:Choice xmlns:a14="http://schemas.microsoft.com/office/drawing/2010/main" Requires="a14">
+      <mc:AlternateContent xmlns:mc="http://schemas.openxmlformats.org/markup-compatibility/2006" xmlns:a14="http://schemas.microsoft.com/office/drawing/2010/main">
+        <mc:Choice Requires="a14">
           <p:sp>
             <p:nvSpPr>
               <p:cNvPr id="3" name="Marcador de contenido 2">
@@ -15328,7 +15364,7 @@
             </p:txBody>
           </p:sp>
         </mc:Choice>
-        <mc:Fallback>
+        <mc:Fallback xmlns="">
           <p:sp>
             <p:nvSpPr>
               <p:cNvPr id="3" name="Marcador de contenido 2">
@@ -15402,8 +15438,8 @@
           <a:chExt cx="0" cy="0"/>
         </a:xfrm>
       </p:grpSpPr>
-      <mc:AlternateContent xmlns:mc="http://schemas.openxmlformats.org/markup-compatibility/2006">
-        <mc:Choice xmlns:a14="http://schemas.microsoft.com/office/drawing/2010/main" Requires="a14">
+      <mc:AlternateContent xmlns:mc="http://schemas.openxmlformats.org/markup-compatibility/2006" xmlns:a14="http://schemas.microsoft.com/office/drawing/2010/main">
+        <mc:Choice Requires="a14">
           <p:sp>
             <p:nvSpPr>
               <p:cNvPr id="5" name="Marcador de contenido 2"/>
@@ -16413,7 +16449,7 @@
             </p:txBody>
           </p:sp>
         </mc:Choice>
-        <mc:Fallback>
+        <mc:Fallback xmlns="">
           <p:sp>
             <p:nvSpPr>
               <p:cNvPr id="5" name="Marcador de contenido 2"/>
@@ -16510,8 +16546,8 @@
           <a:chExt cx="0" cy="0"/>
         </a:xfrm>
       </p:grpSpPr>
-      <mc:AlternateContent xmlns:mc="http://schemas.openxmlformats.org/markup-compatibility/2006" xmlns:a14="http://schemas.microsoft.com/office/drawing/2010/main">
-        <mc:Choice Requires="a14">
+      <mc:AlternateContent xmlns:mc="http://schemas.openxmlformats.org/markup-compatibility/2006">
+        <mc:Choice xmlns:a14="http://schemas.microsoft.com/office/drawing/2010/main" Requires="a14">
           <p:sp>
             <p:nvSpPr>
               <p:cNvPr id="5" name="Marcador de contenido 2"/>
@@ -16991,6 +17027,15 @@
                           </m:sub>
                         </m:sSub>
                         <m:r>
+                          <a:rPr lang="es-ES" b="0" i="1" smtClean="0">
+                            <a:solidFill>
+                              <a:schemeClr val="bg1"/>
+                            </a:solidFill>
+                            <a:latin typeface="Cambria Math" panose="02040503050406030204" pitchFamily="18" charset="0"/>
+                          </a:rPr>
+                          <m:t>,</m:t>
+                        </m:r>
+                        <m:r>
                           <a:rPr lang="es-ES" i="1">
                             <a:solidFill>
                               <a:schemeClr val="bg1"/>
@@ -16998,6 +17043,15 @@
                             <a:latin typeface="Cambria Math" panose="02040503050406030204" pitchFamily="18" charset="0"/>
                           </a:rPr>
                           <m:t>…</m:t>
+                        </m:r>
+                        <m:r>
+                          <a:rPr lang="es-ES" b="0" i="1" smtClean="0">
+                            <a:solidFill>
+                              <a:schemeClr val="bg1"/>
+                            </a:solidFill>
+                            <a:latin typeface="Cambria Math" panose="02040503050406030204" pitchFamily="18" charset="0"/>
+                          </a:rPr>
+                          <m:t>,</m:t>
                         </m:r>
                         <m:sSub>
                           <m:sSubPr>
@@ -17114,6 +17168,15 @@
                           </m:sub>
                         </m:sSub>
                         <m:r>
+                          <a:rPr lang="es-ES" b="0" i="1" smtClean="0">
+                            <a:solidFill>
+                              <a:schemeClr val="bg1"/>
+                            </a:solidFill>
+                            <a:latin typeface="Cambria Math" panose="02040503050406030204" pitchFamily="18" charset="0"/>
+                          </a:rPr>
+                          <m:t>,</m:t>
+                        </m:r>
+                        <m:r>
                           <a:rPr lang="es-ES" i="1">
                             <a:solidFill>
                               <a:schemeClr val="bg1"/>
@@ -17121,6 +17184,15 @@
                             <a:latin typeface="Cambria Math" panose="02040503050406030204" pitchFamily="18" charset="0"/>
                           </a:rPr>
                           <m:t>…</m:t>
+                        </m:r>
+                        <m:r>
+                          <a:rPr lang="es-ES" b="0" i="1" smtClean="0">
+                            <a:solidFill>
+                              <a:schemeClr val="bg1"/>
+                            </a:solidFill>
+                            <a:latin typeface="Cambria Math" panose="02040503050406030204" pitchFamily="18" charset="0"/>
+                          </a:rPr>
+                          <m:t>,</m:t>
                         </m:r>
                         <m:sSub>
                           <m:sSubPr>
@@ -17665,7 +17737,7 @@
             </p:txBody>
           </p:sp>
         </mc:Choice>
-        <mc:Fallback xmlns="">
+        <mc:Fallback>
           <p:sp>
             <p:nvSpPr>
               <p:cNvPr id="5" name="Marcador de contenido 2"/>
